--- a/Защита/Алейников З.А.pptx
+++ b/Защита/Алейников З.А.pptx
@@ -5,7 +5,7 @@
     <p:sldMasterId id="2147483795" r:id="rId1"/>
   </p:sldMasterIdLst>
   <p:notesMasterIdLst>
-    <p:notesMasterId r:id="rId12"/>
+    <p:notesMasterId r:id="rId13"/>
   </p:notesMasterIdLst>
   <p:sldIdLst>
     <p:sldId id="300" r:id="rId2"/>
@@ -17,7 +17,8 @@
     <p:sldId id="290" r:id="rId8"/>
     <p:sldId id="291" r:id="rId9"/>
     <p:sldId id="292" r:id="rId10"/>
-    <p:sldId id="295" r:id="rId11"/>
+    <p:sldId id="303" r:id="rId11"/>
+    <p:sldId id="295" r:id="rId12"/>
   </p:sldIdLst>
   <p:sldSz cx="12192000" cy="6858000"/>
   <p:notesSz cx="6858000" cy="9144000"/>
@@ -206,7 +207,7 @@
           <a:p>
             <a:fld id="{F73EAA4A-B244-4E24-A0D4-FFA64847D817}" type="datetimeFigureOut">
               <a:rPr lang="ru-RU" smtClean="0"/>
-              <a:t>29.04.2025</a:t>
+              <a:t>05.05.2025</a:t>
             </a:fld>
             <a:endParaRPr lang="ru-RU" dirty="0"/>
           </a:p>
@@ -1195,7 +1196,7 @@
           <a:p>
             <a:fld id="{5F63C526-E336-4B10-80C8-B546E4785762}" type="datetime1">
               <a:rPr lang="en-US" smtClean="0"/>
-              <a:t>4/29/2025</a:t>
+              <a:t>5/5/2025</a:t>
             </a:fld>
             <a:endParaRPr lang="en-US" dirty="0"/>
           </a:p>
@@ -1513,7 +1514,7 @@
           <a:p>
             <a:fld id="{B57ED3F7-FE4C-4650-AD1B-9F24F817010A}" type="datetime1">
               <a:rPr lang="en-US" smtClean="0"/>
-              <a:t>4/29/2025</a:t>
+              <a:t>5/5/2025</a:t>
             </a:fld>
             <a:endParaRPr lang="en-US" dirty="0"/>
           </a:p>
@@ -1829,7 +1830,7 @@
           <a:p>
             <a:fld id="{B57ED3F7-FE4C-4650-AD1B-9F24F817010A}" type="datetime1">
               <a:rPr lang="en-US" smtClean="0"/>
-              <a:t>4/29/2025</a:t>
+              <a:t>5/5/2025</a:t>
             </a:fld>
             <a:endParaRPr lang="en-US" dirty="0"/>
           </a:p>
@@ -2172,7 +2173,7 @@
           <a:p>
             <a:fld id="{B57ED3F7-FE4C-4650-AD1B-9F24F817010A}" type="datetime1">
               <a:rPr lang="en-US" smtClean="0"/>
-              <a:t>4/29/2025</a:t>
+              <a:t>5/5/2025</a:t>
             </a:fld>
             <a:endParaRPr lang="en-US" dirty="0"/>
           </a:p>
@@ -2488,7 +2489,7 @@
           <a:p>
             <a:fld id="{B57ED3F7-FE4C-4650-AD1B-9F24F817010A}" type="datetime1">
               <a:rPr lang="en-US" smtClean="0"/>
-              <a:t>4/29/2025</a:t>
+              <a:t>5/5/2025</a:t>
             </a:fld>
             <a:endParaRPr lang="en-US" dirty="0"/>
           </a:p>
@@ -2883,7 +2884,7 @@
           <a:p>
             <a:fld id="{B57ED3F7-FE4C-4650-AD1B-9F24F817010A}" type="datetime1">
               <a:rPr lang="en-US" smtClean="0"/>
-              <a:t>4/29/2025</a:t>
+              <a:t>5/5/2025</a:t>
             </a:fld>
             <a:endParaRPr lang="en-US" dirty="0"/>
           </a:p>
@@ -3055,7 +3056,7 @@
           <a:p>
             <a:fld id="{292C66F8-C0C1-46C9-855B-9EB14BF22BF3}" type="datetime1">
               <a:rPr lang="en-US" smtClean="0"/>
-              <a:t>4/29/2025</a:t>
+              <a:t>5/5/2025</a:t>
             </a:fld>
             <a:endParaRPr lang="en-US" dirty="0"/>
           </a:p>
@@ -3235,7 +3236,7 @@
           <a:p>
             <a:fld id="{3D7F0962-DBC2-408A-BC5A-AF9190FC601E}" type="datetime1">
               <a:rPr lang="en-US" smtClean="0"/>
-              <a:t>4/29/2025</a:t>
+              <a:t>5/5/2025</a:t>
             </a:fld>
             <a:endParaRPr lang="en-US" dirty="0"/>
           </a:p>
@@ -3412,7 +3413,7 @@
           <a:p>
             <a:fld id="{C4C858F5-77F8-44F3-9B9D-5B332CD3CDBC}" type="datetime1">
               <a:rPr lang="en-US" smtClean="0"/>
-              <a:t>4/29/2025</a:t>
+              <a:t>5/5/2025</a:t>
             </a:fld>
             <a:endParaRPr lang="en-US" dirty="0"/>
           </a:p>
@@ -3659,7 +3660,7 @@
           <a:p>
             <a:fld id="{0FE845A6-ED84-4BB1-A6A3-386F8F91FB71}" type="datetime1">
               <a:rPr lang="en-US" smtClean="0"/>
-              <a:t>4/29/2025</a:t>
+              <a:t>5/5/2025</a:t>
             </a:fld>
             <a:endParaRPr lang="en-US" dirty="0"/>
           </a:p>
@@ -3892,7 +3893,7 @@
           <a:p>
             <a:fld id="{AECE4A90-29AF-44C6-ACB2-04F73BD60C2C}" type="datetime1">
               <a:rPr lang="en-US" smtClean="0"/>
-              <a:t>4/29/2025</a:t>
+              <a:t>5/5/2025</a:t>
             </a:fld>
             <a:endParaRPr lang="en-US" dirty="0"/>
           </a:p>
@@ -4266,7 +4267,7 @@
           <a:p>
             <a:fld id="{318A31AD-7286-462D-84F3-270215230BE3}" type="datetime1">
               <a:rPr lang="en-US" smtClean="0"/>
-              <a:t>4/29/2025</a:t>
+              <a:t>5/5/2025</a:t>
             </a:fld>
             <a:endParaRPr lang="en-US" dirty="0"/>
           </a:p>
@@ -4390,7 +4391,7 @@
           <a:p>
             <a:fld id="{AB5E0369-D842-4172-A79F-A26781ECBA6E}" type="datetime1">
               <a:rPr lang="en-US" smtClean="0"/>
-              <a:t>4/29/2025</a:t>
+              <a:t>5/5/2025</a:t>
             </a:fld>
             <a:endParaRPr lang="en-US" dirty="0"/>
           </a:p>
@@ -4486,7 +4487,7 @@
           <a:p>
             <a:fld id="{498AA6AB-15FE-4897-9A7E-C809D10D304C}" type="datetime1">
               <a:rPr lang="en-US" smtClean="0"/>
-              <a:t>4/29/2025</a:t>
+              <a:t>5/5/2025</a:t>
             </a:fld>
             <a:endParaRPr lang="en-US" dirty="0"/>
           </a:p>
@@ -4742,7 +4743,7 @@
           <a:p>
             <a:fld id="{A56672B5-B23A-4FAD-AC46-CCA3CC81D156}" type="datetime1">
               <a:rPr lang="en-US" smtClean="0"/>
-              <a:t>4/29/2025</a:t>
+              <a:t>5/5/2025</a:t>
             </a:fld>
             <a:endParaRPr lang="en-US" dirty="0"/>
           </a:p>
@@ -5005,7 +5006,7 @@
           <a:p>
             <a:fld id="{F81B3CF0-CBFA-43F1-8986-6781596B26AC}" type="datetime1">
               <a:rPr lang="en-US" smtClean="0"/>
-              <a:t>4/29/2025</a:t>
+              <a:t>5/5/2025</a:t>
             </a:fld>
             <a:endParaRPr lang="en-US" dirty="0"/>
           </a:p>
@@ -5749,7 +5750,7 @@
           <a:p>
             <a:fld id="{B57ED3F7-FE4C-4650-AD1B-9F24F817010A}" type="datetime1">
               <a:rPr lang="en-US" smtClean="0"/>
-              <a:t>4/29/2025</a:t>
+              <a:t>5/5/2025</a:t>
             </a:fld>
             <a:endParaRPr lang="en-US" dirty="0"/>
           </a:p>
@@ -6611,6 +6612,659 @@
             <p:ph type="title"/>
           </p:nvPr>
         </p:nvSpPr>
+        <p:spPr/>
+        <p:txBody>
+          <a:bodyPr/>
+          <a:lstStyle/>
+          <a:p>
+            <a:r>
+              <a:rPr lang="ru-RU" dirty="0" smtClean="0">
+                <a:solidFill>
+                  <a:schemeClr val="tx1"/>
+                </a:solidFill>
+              </a:rPr>
+              <a:t>Результаты работы</a:t>
+            </a:r>
+            <a:endParaRPr lang="ru-RU" dirty="0">
+              <a:solidFill>
+                <a:schemeClr val="tx1"/>
+              </a:solidFill>
+            </a:endParaRPr>
+          </a:p>
+        </p:txBody>
+      </p:sp>
+      <p:graphicFrame>
+        <p:nvGraphicFramePr>
+          <p:cNvPr id="5" name="Объект 4"/>
+          <p:cNvGraphicFramePr>
+            <a:graphicFrameLocks noGrp="1"/>
+          </p:cNvGraphicFramePr>
+          <p:nvPr>
+            <p:ph idx="1"/>
+            <p:extLst>
+              <p:ext uri="{D42A27DB-BD31-4B8C-83A1-F6EECF244321}">
+                <p14:modId xmlns:p14="http://schemas.microsoft.com/office/powerpoint/2010/main" val="2293207055"/>
+              </p:ext>
+            </p:extLst>
+          </p:nvPr>
+        </p:nvGraphicFramePr>
+        <p:xfrm>
+          <a:off x="2018391" y="1270000"/>
+          <a:ext cx="8596312" cy="5029200"/>
+        </p:xfrm>
+        <a:graphic>
+          <a:graphicData uri="http://schemas.openxmlformats.org/drawingml/2006/table">
+            <a:tbl>
+              <a:tblPr firstRow="1" bandRow="1">
+                <a:tableStyleId>{5C22544A-7EE6-4342-B048-85BDC9FD1C3A}</a:tableStyleId>
+              </a:tblPr>
+              <a:tblGrid>
+                <a:gridCol w="2149078">
+                  <a:extLst>
+                    <a:ext uri="{9D8B030D-6E8A-4147-A177-3AD203B41FA5}">
+                      <a16:colId xmlns:a16="http://schemas.microsoft.com/office/drawing/2014/main" val="3651034076"/>
+                    </a:ext>
+                  </a:extLst>
+                </a:gridCol>
+                <a:gridCol w="2149078">
+                  <a:extLst>
+                    <a:ext uri="{9D8B030D-6E8A-4147-A177-3AD203B41FA5}">
+                      <a16:colId xmlns:a16="http://schemas.microsoft.com/office/drawing/2014/main" val="556258028"/>
+                    </a:ext>
+                  </a:extLst>
+                </a:gridCol>
+                <a:gridCol w="2149078">
+                  <a:extLst>
+                    <a:ext uri="{9D8B030D-6E8A-4147-A177-3AD203B41FA5}">
+                      <a16:colId xmlns:a16="http://schemas.microsoft.com/office/drawing/2014/main" val="3705336379"/>
+                    </a:ext>
+                  </a:extLst>
+                </a:gridCol>
+                <a:gridCol w="2149078">
+                  <a:extLst>
+                    <a:ext uri="{9D8B030D-6E8A-4147-A177-3AD203B41FA5}">
+                      <a16:colId xmlns:a16="http://schemas.microsoft.com/office/drawing/2014/main" val="4281431898"/>
+                    </a:ext>
+                  </a:extLst>
+                </a:gridCol>
+              </a:tblGrid>
+              <a:tr h="370840">
+                <a:tc>
+                  <a:txBody>
+                    <a:bodyPr/>
+                    <a:lstStyle/>
+                    <a:p>
+                      <a:pPr algn="ctr"/>
+                      <a:endParaRPr lang="ru-RU" dirty="0">
+                        <a:solidFill>
+                          <a:schemeClr val="tx1"/>
+                        </a:solidFill>
+                      </a:endParaRPr>
+                    </a:p>
+                  </a:txBody>
+                  <a:tcPr anchor="ctr">
+                    <a:solidFill>
+                      <a:schemeClr val="bg2"/>
+                    </a:solidFill>
+                  </a:tcPr>
+                </a:tc>
+                <a:tc>
+                  <a:txBody>
+                    <a:bodyPr/>
+                    <a:lstStyle/>
+                    <a:p>
+                      <a:pPr algn="ctr"/>
+                      <a:endParaRPr lang="ru-RU" dirty="0">
+                        <a:solidFill>
+                          <a:schemeClr val="tx1"/>
+                        </a:solidFill>
+                      </a:endParaRPr>
+                    </a:p>
+                  </a:txBody>
+                  <a:tcPr anchor="ctr">
+                    <a:solidFill>
+                      <a:schemeClr val="bg2"/>
+                    </a:solidFill>
+                  </a:tcPr>
+                </a:tc>
+                <a:tc>
+                  <a:txBody>
+                    <a:bodyPr/>
+                    <a:lstStyle/>
+                    <a:p>
+                      <a:pPr algn="ctr"/>
+                      <a:r>
+                        <a:rPr lang="ru-RU" dirty="0" smtClean="0">
+                          <a:solidFill>
+                            <a:schemeClr val="tx1"/>
+                          </a:solidFill>
+                        </a:rPr>
+                        <a:t>Лучший</a:t>
+                      </a:r>
+                      <a:r>
+                        <a:rPr lang="ru-RU" baseline="0" dirty="0" smtClean="0">
+                          <a:solidFill>
+                            <a:schemeClr val="tx1"/>
+                          </a:solidFill>
+                        </a:rPr>
+                        <a:t> комплект</a:t>
+                      </a:r>
+                      <a:endParaRPr lang="ru-RU" dirty="0">
+                        <a:solidFill>
+                          <a:schemeClr val="tx1"/>
+                        </a:solidFill>
+                      </a:endParaRPr>
+                    </a:p>
+                  </a:txBody>
+                  <a:tcPr anchor="ctr"/>
+                </a:tc>
+                <a:tc>
+                  <a:txBody>
+                    <a:bodyPr/>
+                    <a:lstStyle/>
+                    <a:p>
+                      <a:pPr algn="ctr"/>
+                      <a:r>
+                        <a:rPr lang="ru-RU" dirty="0" smtClean="0">
+                          <a:solidFill>
+                            <a:schemeClr val="tx1"/>
+                          </a:solidFill>
+                        </a:rPr>
+                        <a:t>Худший комплект</a:t>
+                      </a:r>
+                      <a:endParaRPr lang="ru-RU" dirty="0">
+                        <a:solidFill>
+                          <a:schemeClr val="tx1"/>
+                        </a:solidFill>
+                      </a:endParaRPr>
+                    </a:p>
+                  </a:txBody>
+                  <a:tcPr anchor="ctr"/>
+                </a:tc>
+                <a:extLst>
+                  <a:ext uri="{0D108BD9-81ED-4DB2-BD59-A6C34878D82A}">
+                    <a16:rowId xmlns:a16="http://schemas.microsoft.com/office/drawing/2014/main" val="3142054385"/>
+                  </a:ext>
+                </a:extLst>
+              </a:tr>
+              <a:tr h="370840">
+                <a:tc>
+                  <a:txBody>
+                    <a:bodyPr/>
+                    <a:lstStyle/>
+                    <a:p>
+                      <a:pPr algn="ctr"/>
+                      <a:r>
+                        <a:rPr lang="ru-RU" dirty="0" smtClean="0">
+                          <a:solidFill>
+                            <a:schemeClr val="tx1"/>
+                          </a:solidFill>
+                        </a:rPr>
+                        <a:t>Ошибка</a:t>
+                      </a:r>
+                      <a:endParaRPr lang="ru-RU" dirty="0">
+                        <a:solidFill>
+                          <a:schemeClr val="tx1"/>
+                        </a:solidFill>
+                      </a:endParaRPr>
+                    </a:p>
+                  </a:txBody>
+                  <a:tcPr anchor="ctr"/>
+                </a:tc>
+                <a:tc>
+                  <a:txBody>
+                    <a:bodyPr/>
+                    <a:lstStyle/>
+                    <a:p>
+                      <a:pPr algn="ctr"/>
+                      <a:r>
+                        <a:rPr lang="ru-RU" dirty="0" smtClean="0">
+                          <a:solidFill>
+                            <a:schemeClr val="tx1"/>
+                          </a:solidFill>
+                        </a:rPr>
+                        <a:t>Ограничение по ТЗ</a:t>
+                      </a:r>
+                      <a:endParaRPr lang="ru-RU" dirty="0">
+                        <a:solidFill>
+                          <a:schemeClr val="tx1"/>
+                        </a:solidFill>
+                      </a:endParaRPr>
+                    </a:p>
+                  </a:txBody>
+                  <a:tcPr anchor="ctr"/>
+                </a:tc>
+                <a:tc>
+                  <a:txBody>
+                    <a:bodyPr/>
+                    <a:lstStyle/>
+                    <a:p>
+                      <a:pPr algn="ctr"/>
+                      <a:r>
+                        <a:rPr lang="ru-RU" dirty="0" smtClean="0">
+                          <a:solidFill>
+                            <a:schemeClr val="tx1"/>
+                          </a:solidFill>
+                        </a:rPr>
+                        <a:t>Полученная ошибка</a:t>
+                      </a:r>
+                      <a:endParaRPr lang="ru-RU" dirty="0">
+                        <a:solidFill>
+                          <a:schemeClr val="tx1"/>
+                        </a:solidFill>
+                      </a:endParaRPr>
+                    </a:p>
+                  </a:txBody>
+                  <a:tcPr anchor="ctr"/>
+                </a:tc>
+                <a:tc>
+                  <a:txBody>
+                    <a:bodyPr/>
+                    <a:lstStyle/>
+                    <a:p>
+                      <a:pPr algn="ctr"/>
+                      <a:r>
+                        <a:rPr lang="ru-RU" dirty="0" smtClean="0">
+                          <a:solidFill>
+                            <a:schemeClr val="tx1"/>
+                          </a:solidFill>
+                        </a:rPr>
+                        <a:t>Полученная ошибка</a:t>
+                      </a:r>
+                      <a:endParaRPr lang="ru-RU" dirty="0">
+                        <a:solidFill>
+                          <a:schemeClr val="tx1"/>
+                        </a:solidFill>
+                      </a:endParaRPr>
+                    </a:p>
+                  </a:txBody>
+                  <a:tcPr anchor="ctr"/>
+                </a:tc>
+                <a:extLst>
+                  <a:ext uri="{0D108BD9-81ED-4DB2-BD59-A6C34878D82A}">
+                    <a16:rowId xmlns:a16="http://schemas.microsoft.com/office/drawing/2014/main" val="999586980"/>
+                  </a:ext>
+                </a:extLst>
+              </a:tr>
+              <a:tr h="370840">
+                <a:tc>
+                  <a:txBody>
+                    <a:bodyPr/>
+                    <a:lstStyle/>
+                    <a:p>
+                      <a:pPr algn="ctr"/>
+                      <a:r>
+                        <a:rPr lang="ru-RU" dirty="0" smtClean="0"/>
+                        <a:t>Ошибка крена, град</a:t>
+                      </a:r>
+                      <a:endParaRPr lang="ru-RU" dirty="0"/>
+                    </a:p>
+                  </a:txBody>
+                  <a:tcPr anchor="ctr"/>
+                </a:tc>
+                <a:tc>
+                  <a:txBody>
+                    <a:bodyPr/>
+                    <a:lstStyle/>
+                    <a:p>
+                      <a:pPr algn="ctr"/>
+                      <a:r>
+                        <a:rPr lang="ru-RU" dirty="0" smtClean="0"/>
+                        <a:t>0,05</a:t>
+                      </a:r>
+                      <a:endParaRPr lang="ru-RU" dirty="0"/>
+                    </a:p>
+                  </a:txBody>
+                  <a:tcPr anchor="ctr"/>
+                </a:tc>
+                <a:tc>
+                  <a:txBody>
+                    <a:bodyPr/>
+                    <a:lstStyle/>
+                    <a:p>
+                      <a:pPr algn="ctr"/>
+                      <a:r>
+                        <a:rPr lang="ru-RU" dirty="0" smtClean="0"/>
+                        <a:t>0,0484</a:t>
+                      </a:r>
+                      <a:endParaRPr lang="ru-RU" dirty="0"/>
+                    </a:p>
+                  </a:txBody>
+                  <a:tcPr anchor="ctr"/>
+                </a:tc>
+                <a:tc>
+                  <a:txBody>
+                    <a:bodyPr/>
+                    <a:lstStyle/>
+                    <a:p>
+                      <a:pPr algn="ctr"/>
+                      <a:r>
+                        <a:rPr lang="ru-RU" dirty="0" smtClean="0"/>
+                        <a:t>0,0406</a:t>
+                      </a:r>
+                      <a:endParaRPr lang="ru-RU" dirty="0"/>
+                    </a:p>
+                  </a:txBody>
+                  <a:tcPr anchor="ctr"/>
+                </a:tc>
+                <a:extLst>
+                  <a:ext uri="{0D108BD9-81ED-4DB2-BD59-A6C34878D82A}">
+                    <a16:rowId xmlns:a16="http://schemas.microsoft.com/office/drawing/2014/main" val="3832345506"/>
+                  </a:ext>
+                </a:extLst>
+              </a:tr>
+              <a:tr h="370840">
+                <a:tc>
+                  <a:txBody>
+                    <a:bodyPr/>
+                    <a:lstStyle/>
+                    <a:p>
+                      <a:pPr algn="ctr"/>
+                      <a:r>
+                        <a:rPr lang="ru-RU" dirty="0" smtClean="0"/>
+                        <a:t>Ошибка тангажа, град</a:t>
+                      </a:r>
+                      <a:endParaRPr lang="ru-RU" dirty="0"/>
+                    </a:p>
+                  </a:txBody>
+                  <a:tcPr anchor="ctr"/>
+                </a:tc>
+                <a:tc>
+                  <a:txBody>
+                    <a:bodyPr/>
+                    <a:lstStyle/>
+                    <a:p>
+                      <a:pPr algn="ctr"/>
+                      <a:r>
+                        <a:rPr lang="ru-RU" dirty="0" smtClean="0"/>
+                        <a:t>0,05</a:t>
+                      </a:r>
+                      <a:endParaRPr lang="ru-RU" dirty="0"/>
+                    </a:p>
+                  </a:txBody>
+                  <a:tcPr anchor="ctr"/>
+                </a:tc>
+                <a:tc>
+                  <a:txBody>
+                    <a:bodyPr/>
+                    <a:lstStyle/>
+                    <a:p>
+                      <a:pPr algn="ctr"/>
+                      <a:r>
+                        <a:rPr lang="ru-RU" dirty="0" smtClean="0"/>
+                        <a:t>0,0322</a:t>
+                      </a:r>
+                      <a:endParaRPr lang="ru-RU" dirty="0"/>
+                    </a:p>
+                  </a:txBody>
+                  <a:tcPr anchor="ctr"/>
+                </a:tc>
+                <a:tc>
+                  <a:txBody>
+                    <a:bodyPr/>
+                    <a:lstStyle/>
+                    <a:p>
+                      <a:pPr algn="ctr"/>
+                      <a:r>
+                        <a:rPr lang="ru-RU" dirty="0" smtClean="0"/>
+                        <a:t>0,0277</a:t>
+                      </a:r>
+                      <a:endParaRPr lang="ru-RU" dirty="0"/>
+                    </a:p>
+                  </a:txBody>
+                  <a:tcPr anchor="ctr"/>
+                </a:tc>
+                <a:extLst>
+                  <a:ext uri="{0D108BD9-81ED-4DB2-BD59-A6C34878D82A}">
+                    <a16:rowId xmlns:a16="http://schemas.microsoft.com/office/drawing/2014/main" val="909074778"/>
+                  </a:ext>
+                </a:extLst>
+              </a:tr>
+              <a:tr h="370840">
+                <a:tc>
+                  <a:txBody>
+                    <a:bodyPr/>
+                    <a:lstStyle/>
+                    <a:p>
+                      <a:pPr algn="ctr"/>
+                      <a:r>
+                        <a:rPr lang="ru-RU" dirty="0" smtClean="0"/>
+                        <a:t>Начальная ошибка курса, град</a:t>
+                      </a:r>
+                      <a:endParaRPr lang="ru-RU" dirty="0"/>
+                    </a:p>
+                  </a:txBody>
+                  <a:tcPr anchor="ctr"/>
+                </a:tc>
+                <a:tc>
+                  <a:txBody>
+                    <a:bodyPr/>
+                    <a:lstStyle/>
+                    <a:p>
+                      <a:pPr algn="ctr"/>
+                      <a:r>
+                        <a:rPr lang="ru-RU" dirty="0" smtClean="0"/>
+                        <a:t>0,5</a:t>
+                      </a:r>
+                      <a:endParaRPr lang="ru-RU" dirty="0"/>
+                    </a:p>
+                  </a:txBody>
+                  <a:tcPr anchor="ctr"/>
+                </a:tc>
+                <a:tc>
+                  <a:txBody>
+                    <a:bodyPr/>
+                    <a:lstStyle/>
+                    <a:p>
+                      <a:pPr algn="ctr"/>
+                      <a:r>
+                        <a:rPr lang="ru-RU" dirty="0" smtClean="0"/>
+                        <a:t>0,0477</a:t>
+                      </a:r>
+                      <a:endParaRPr lang="ru-RU" dirty="0"/>
+                    </a:p>
+                  </a:txBody>
+                  <a:tcPr anchor="ctr"/>
+                </a:tc>
+                <a:tc>
+                  <a:txBody>
+                    <a:bodyPr/>
+                    <a:lstStyle/>
+                    <a:p>
+                      <a:pPr algn="ctr"/>
+                      <a:r>
+                        <a:rPr lang="ru-RU" dirty="0" smtClean="0"/>
+                        <a:t>0,0388</a:t>
+                      </a:r>
+                      <a:endParaRPr lang="ru-RU" dirty="0"/>
+                    </a:p>
+                  </a:txBody>
+                  <a:tcPr anchor="ctr"/>
+                </a:tc>
+                <a:extLst>
+                  <a:ext uri="{0D108BD9-81ED-4DB2-BD59-A6C34878D82A}">
+                    <a16:rowId xmlns:a16="http://schemas.microsoft.com/office/drawing/2014/main" val="430908604"/>
+                  </a:ext>
+                </a:extLst>
+              </a:tr>
+              <a:tr h="370840">
+                <a:tc>
+                  <a:txBody>
+                    <a:bodyPr/>
+                    <a:lstStyle/>
+                    <a:p>
+                      <a:pPr algn="ctr"/>
+                      <a:r>
+                        <a:rPr lang="ru-RU" dirty="0" smtClean="0"/>
+                        <a:t>Конечная ошибка курса, град</a:t>
+                      </a:r>
+                      <a:endParaRPr lang="ru-RU" dirty="0"/>
+                    </a:p>
+                  </a:txBody>
+                  <a:tcPr anchor="ctr"/>
+                </a:tc>
+                <a:tc>
+                  <a:txBody>
+                    <a:bodyPr/>
+                    <a:lstStyle/>
+                    <a:p>
+                      <a:pPr algn="ctr"/>
+                      <a:r>
+                        <a:rPr lang="ru-RU" dirty="0" smtClean="0"/>
+                        <a:t>0,55</a:t>
+                      </a:r>
+                      <a:endParaRPr lang="ru-RU" dirty="0"/>
+                    </a:p>
+                  </a:txBody>
+                  <a:tcPr anchor="ctr"/>
+                </a:tc>
+                <a:tc>
+                  <a:txBody>
+                    <a:bodyPr/>
+                    <a:lstStyle/>
+                    <a:p>
+                      <a:pPr algn="ctr"/>
+                      <a:r>
+                        <a:rPr lang="ru-RU" dirty="0" smtClean="0"/>
+                        <a:t>0,1124</a:t>
+                      </a:r>
+                      <a:endParaRPr lang="ru-RU" dirty="0"/>
+                    </a:p>
+                  </a:txBody>
+                  <a:tcPr anchor="ctr"/>
+                </a:tc>
+                <a:tc>
+                  <a:txBody>
+                    <a:bodyPr/>
+                    <a:lstStyle/>
+                    <a:p>
+                      <a:pPr algn="ctr"/>
+                      <a:r>
+                        <a:rPr lang="ru-RU" dirty="0" smtClean="0"/>
+                        <a:t>0,1128</a:t>
+                      </a:r>
+                      <a:endParaRPr lang="ru-RU" dirty="0"/>
+                    </a:p>
+                  </a:txBody>
+                  <a:tcPr anchor="ctr"/>
+                </a:tc>
+                <a:extLst>
+                  <a:ext uri="{0D108BD9-81ED-4DB2-BD59-A6C34878D82A}">
+                    <a16:rowId xmlns:a16="http://schemas.microsoft.com/office/drawing/2014/main" val="373523107"/>
+                  </a:ext>
+                </a:extLst>
+              </a:tr>
+              <a:tr h="370840">
+                <a:tc>
+                  <a:txBody>
+                    <a:bodyPr/>
+                    <a:lstStyle/>
+                    <a:p>
+                      <a:pPr algn="ctr"/>
+                      <a:r>
+                        <a:rPr lang="ru-RU" dirty="0" smtClean="0"/>
+                        <a:t>Ошибка определения координат, км</a:t>
+                      </a:r>
+                      <a:endParaRPr lang="ru-RU" dirty="0"/>
+                    </a:p>
+                  </a:txBody>
+                  <a:tcPr anchor="ctr"/>
+                </a:tc>
+                <a:tc>
+                  <a:txBody>
+                    <a:bodyPr/>
+                    <a:lstStyle/>
+                    <a:p>
+                      <a:pPr algn="ctr"/>
+                      <a:r>
+                        <a:rPr lang="ru-RU" dirty="0" smtClean="0"/>
+                        <a:t>1,85</a:t>
+                      </a:r>
+                      <a:endParaRPr lang="ru-RU" dirty="0"/>
+                    </a:p>
+                  </a:txBody>
+                  <a:tcPr anchor="ctr"/>
+                </a:tc>
+                <a:tc>
+                  <a:txBody>
+                    <a:bodyPr/>
+                    <a:lstStyle/>
+                    <a:p>
+                      <a:pPr algn="ctr"/>
+                      <a:r>
+                        <a:rPr lang="ru-RU" dirty="0" smtClean="0"/>
+                        <a:t>0,591</a:t>
+                      </a:r>
+                      <a:endParaRPr lang="ru-RU" dirty="0"/>
+                    </a:p>
+                  </a:txBody>
+                  <a:tcPr anchor="ctr"/>
+                </a:tc>
+                <a:tc>
+                  <a:txBody>
+                    <a:bodyPr/>
+                    <a:lstStyle/>
+                    <a:p>
+                      <a:pPr algn="ctr"/>
+                      <a:r>
+                        <a:rPr lang="ru-RU" dirty="0" smtClean="0"/>
+                        <a:t>1,434</a:t>
+                      </a:r>
+                      <a:endParaRPr lang="ru-RU" dirty="0"/>
+                    </a:p>
+                  </a:txBody>
+                  <a:tcPr anchor="ctr"/>
+                </a:tc>
+                <a:extLst>
+                  <a:ext uri="{0D108BD9-81ED-4DB2-BD59-A6C34878D82A}">
+                    <a16:rowId xmlns:a16="http://schemas.microsoft.com/office/drawing/2014/main" val="415639284"/>
+                  </a:ext>
+                </a:extLst>
+              </a:tr>
+            </a:tbl>
+          </a:graphicData>
+        </a:graphic>
+      </p:graphicFrame>
+    </p:spTree>
+    <p:extLst>
+      <p:ext uri="{BB962C8B-B14F-4D97-AF65-F5344CB8AC3E}">
+        <p14:creationId xmlns:p14="http://schemas.microsoft.com/office/powerpoint/2010/main" val="3215766901"/>
+      </p:ext>
+    </p:extLst>
+  </p:cSld>
+  <p:clrMapOvr>
+    <a:masterClrMapping/>
+  </p:clrMapOvr>
+</p:sld>
+</file>
+
+<file path=ppt/slides/slide11.xml><?xml version="1.0" encoding="utf-8"?>
+<p:sld xmlns:a="http://schemas.openxmlformats.org/drawingml/2006/main" xmlns:r="http://schemas.openxmlformats.org/officeDocument/2006/relationships" xmlns:p="http://schemas.openxmlformats.org/presentationml/2006/main">
+  <p:cSld>
+    <p:spTree>
+      <p:nvGrpSpPr>
+        <p:cNvPr id="1" name=""/>
+        <p:cNvGrpSpPr/>
+        <p:nvPr/>
+      </p:nvGrpSpPr>
+      <p:grpSpPr>
+        <a:xfrm>
+          <a:off x="0" y="0"/>
+          <a:ext cx="0" cy="0"/>
+          <a:chOff x="0" y="0"/>
+          <a:chExt cx="0" cy="0"/>
+        </a:xfrm>
+      </p:grpSpPr>
+      <p:sp>
+        <p:nvSpPr>
+          <p:cNvPr id="2" name="Заголовок 1"/>
+          <p:cNvSpPr>
+            <a:spLocks noGrp="1"/>
+          </p:cNvSpPr>
+          <p:nvPr>
+            <p:ph type="title"/>
+          </p:nvPr>
+        </p:nvSpPr>
         <p:spPr>
           <a:xfrm>
             <a:off x="1797666" y="2768603"/>
@@ -6697,7 +7351,7 @@
           <a:graphicData uri="http://schemas.openxmlformats.org/presentationml/2006/ole">
             <mc:AlternateContent xmlns:mc="http://schemas.openxmlformats.org/markup-compatibility/2006">
               <mc:Choice xmlns:v="urn:schemas-microsoft-com:vml" Requires="v">
-                <p:oleObj spid="_x0000_s1028" name="Документ" r:id="rId3" imgW="5455127" imgH="9086006" progId="Word.Document.12">
+                <p:oleObj spid="_x0000_s1031" name="Документ" r:id="rId3" imgW="5455127" imgH="9086006" progId="Word.Document.12">
                   <p:embed/>
                 </p:oleObj>
               </mc:Choice>

--- a/Защита/Алейников З.А.pptx
+++ b/Защита/Алейников З.А.pptx
@@ -207,7 +207,7 @@
           <a:p>
             <a:fld id="{F73EAA4A-B244-4E24-A0D4-FFA64847D817}" type="datetimeFigureOut">
               <a:rPr lang="ru-RU" smtClean="0"/>
-              <a:t>05.05.2025</a:t>
+              <a:t>06.05.2025</a:t>
             </a:fld>
             <a:endParaRPr lang="ru-RU" dirty="0"/>
           </a:p>
@@ -1052,7 +1052,7 @@
           </a:lstStyle>
           <a:p>
             <a:r>
-              <a:rPr lang="ru-RU" smtClean="0"/>
+              <a:rPr lang="ru-RU"/>
               <a:t>Образец заголовка</a:t>
             </a:r>
             <a:endParaRPr lang="en-US" dirty="0"/>
@@ -1172,7 +1172,7 @@
           </a:lstStyle>
           <a:p>
             <a:r>
-              <a:rPr lang="ru-RU" smtClean="0"/>
+              <a:rPr lang="ru-RU"/>
               <a:t>Образец подзаголовка</a:t>
             </a:r>
             <a:endParaRPr lang="en-US" dirty="0"/>
@@ -1196,7 +1196,7 @@
           <a:p>
             <a:fld id="{5F63C526-E336-4B10-80C8-B546E4785762}" type="datetime1">
               <a:rPr lang="en-US" smtClean="0"/>
-              <a:t>5/5/2025</a:t>
+              <a:t>5/6/2025</a:t>
             </a:fld>
             <a:endParaRPr lang="en-US" dirty="0"/>
           </a:p>
@@ -1368,7 +1368,7 @@
           </a:lstStyle>
           <a:p>
             <a:r>
-              <a:rPr lang="ru-RU" smtClean="0"/>
+              <a:rPr lang="ru-RU"/>
               <a:t>Образец заголовка</a:t>
             </a:r>
             <a:endParaRPr lang="en-US" dirty="0"/>
@@ -1491,7 +1491,7 @@
           <a:p>
             <a:pPr lvl="0"/>
             <a:r>
-              <a:rPr lang="ru-RU" smtClean="0"/>
+              <a:rPr lang="ru-RU"/>
               <a:t>Образец текста</a:t>
             </a:r>
           </a:p>
@@ -1514,7 +1514,7 @@
           <a:p>
             <a:fld id="{B57ED3F7-FE4C-4650-AD1B-9F24F817010A}" type="datetime1">
               <a:rPr lang="en-US" smtClean="0"/>
-              <a:t>5/5/2025</a:t>
+              <a:t>5/6/2025</a:t>
             </a:fld>
             <a:endParaRPr lang="en-US" dirty="0"/>
           </a:p>
@@ -1621,7 +1621,7 @@
           </a:lstStyle>
           <a:p>
             <a:r>
-              <a:rPr lang="ru-RU" smtClean="0"/>
+              <a:rPr lang="ru-RU"/>
               <a:t>Образец заголовка</a:t>
             </a:r>
             <a:endParaRPr lang="en-US" dirty="0"/>
@@ -1685,7 +1685,7 @@
           <a:p>
             <a:pPr lvl="0"/>
             <a:r>
-              <a:rPr lang="ru-RU" smtClean="0"/>
+              <a:rPr lang="ru-RU"/>
               <a:t>Образец текста</a:t>
             </a:r>
           </a:p>
@@ -1807,7 +1807,7 @@
           <a:p>
             <a:pPr lvl="0"/>
             <a:r>
-              <a:rPr lang="ru-RU" smtClean="0"/>
+              <a:rPr lang="ru-RU"/>
               <a:t>Образец текста</a:t>
             </a:r>
           </a:p>
@@ -1830,7 +1830,7 @@
           <a:p>
             <a:fld id="{B57ED3F7-FE4C-4650-AD1B-9F24F817010A}" type="datetime1">
               <a:rPr lang="en-US" smtClean="0"/>
-              <a:t>5/5/2025</a:t>
+              <a:t>5/6/2025</a:t>
             </a:fld>
             <a:endParaRPr lang="en-US" dirty="0"/>
           </a:p>
@@ -2027,7 +2027,7 @@
           </a:lstStyle>
           <a:p>
             <a:r>
-              <a:rPr lang="ru-RU" smtClean="0"/>
+              <a:rPr lang="ru-RU"/>
               <a:t>Образец заголовка</a:t>
             </a:r>
             <a:endParaRPr lang="en-US" dirty="0"/>
@@ -2150,7 +2150,7 @@
           <a:p>
             <a:pPr lvl="0"/>
             <a:r>
-              <a:rPr lang="ru-RU" smtClean="0"/>
+              <a:rPr lang="ru-RU"/>
               <a:t>Образец текста</a:t>
             </a:r>
           </a:p>
@@ -2173,7 +2173,7 @@
           <a:p>
             <a:fld id="{B57ED3F7-FE4C-4650-AD1B-9F24F817010A}" type="datetime1">
               <a:rPr lang="en-US" smtClean="0"/>
-              <a:t>5/5/2025</a:t>
+              <a:t>5/6/2025</a:t>
             </a:fld>
             <a:endParaRPr lang="en-US" dirty="0"/>
           </a:p>
@@ -2280,7 +2280,7 @@
           </a:lstStyle>
           <a:p>
             <a:r>
-              <a:rPr lang="ru-RU" smtClean="0"/>
+              <a:rPr lang="ru-RU"/>
               <a:t>Образец заголовка</a:t>
             </a:r>
             <a:endParaRPr lang="en-US" dirty="0"/>
@@ -2344,7 +2344,7 @@
           <a:p>
             <a:pPr lvl="0"/>
             <a:r>
-              <a:rPr lang="ru-RU" smtClean="0"/>
+              <a:rPr lang="ru-RU"/>
               <a:t>Образец текста</a:t>
             </a:r>
           </a:p>
@@ -2466,7 +2466,7 @@
           <a:p>
             <a:pPr lvl="0"/>
             <a:r>
-              <a:rPr lang="ru-RU" smtClean="0"/>
+              <a:rPr lang="ru-RU"/>
               <a:t>Образец текста</a:t>
             </a:r>
           </a:p>
@@ -2489,7 +2489,7 @@
           <a:p>
             <a:fld id="{B57ED3F7-FE4C-4650-AD1B-9F24F817010A}" type="datetime1">
               <a:rPr lang="en-US" smtClean="0"/>
-              <a:t>5/5/2025</a:t>
+              <a:t>5/6/2025</a:t>
             </a:fld>
             <a:endParaRPr lang="en-US" dirty="0"/>
           </a:p>
@@ -2678,7 +2678,7 @@
           </a:lstStyle>
           <a:p>
             <a:r>
-              <a:rPr lang="ru-RU" smtClean="0"/>
+              <a:rPr lang="ru-RU"/>
               <a:t>Образец заголовка</a:t>
             </a:r>
             <a:endParaRPr lang="en-US" dirty="0"/>
@@ -2739,7 +2739,7 @@
           <a:p>
             <a:pPr lvl="0"/>
             <a:r>
-              <a:rPr lang="ru-RU" smtClean="0"/>
+              <a:rPr lang="ru-RU"/>
               <a:t>Образец текста</a:t>
             </a:r>
           </a:p>
@@ -2861,7 +2861,7 @@
           <a:p>
             <a:pPr lvl="0"/>
             <a:r>
-              <a:rPr lang="ru-RU" smtClean="0"/>
+              <a:rPr lang="ru-RU"/>
               <a:t>Образец текста</a:t>
             </a:r>
           </a:p>
@@ -2884,7 +2884,7 @@
           <a:p>
             <a:fld id="{B57ED3F7-FE4C-4650-AD1B-9F24F817010A}" type="datetime1">
               <a:rPr lang="en-US" smtClean="0"/>
-              <a:t>5/5/2025</a:t>
+              <a:t>5/6/2025</a:t>
             </a:fld>
             <a:endParaRPr lang="en-US" dirty="0"/>
           </a:p>
@@ -2980,7 +2980,7 @@
           <a:lstStyle/>
           <a:p>
             <a:r>
-              <a:rPr lang="ru-RU" smtClean="0"/>
+              <a:rPr lang="ru-RU"/>
               <a:t>Образец заголовка</a:t>
             </a:r>
             <a:endParaRPr lang="en-US" dirty="0"/>
@@ -3004,35 +3004,35 @@
           <a:p>
             <a:pPr lvl="0"/>
             <a:r>
-              <a:rPr lang="ru-RU" smtClean="0"/>
+              <a:rPr lang="ru-RU"/>
               <a:t>Образец текста</a:t>
             </a:r>
           </a:p>
           <a:p>
             <a:pPr lvl="1"/>
             <a:r>
-              <a:rPr lang="ru-RU" smtClean="0"/>
+              <a:rPr lang="ru-RU"/>
               <a:t>Второй уровень</a:t>
             </a:r>
           </a:p>
           <a:p>
             <a:pPr lvl="2"/>
             <a:r>
-              <a:rPr lang="ru-RU" smtClean="0"/>
+              <a:rPr lang="ru-RU"/>
               <a:t>Третий уровень</a:t>
             </a:r>
           </a:p>
           <a:p>
             <a:pPr lvl="3"/>
             <a:r>
-              <a:rPr lang="ru-RU" smtClean="0"/>
+              <a:rPr lang="ru-RU"/>
               <a:t>Четвертый уровень</a:t>
             </a:r>
           </a:p>
           <a:p>
             <a:pPr lvl="4"/>
             <a:r>
-              <a:rPr lang="ru-RU" smtClean="0"/>
+              <a:rPr lang="ru-RU"/>
               <a:t>Пятый уровень</a:t>
             </a:r>
             <a:endParaRPr lang="en-US" dirty="0"/>
@@ -3056,7 +3056,7 @@
           <a:p>
             <a:fld id="{292C66F8-C0C1-46C9-855B-9EB14BF22BF3}" type="datetime1">
               <a:rPr lang="en-US" smtClean="0"/>
-              <a:t>5/5/2025</a:t>
+              <a:t>5/6/2025</a:t>
             </a:fld>
             <a:endParaRPr lang="en-US" dirty="0"/>
           </a:p>
@@ -3155,7 +3155,7 @@
           <a:lstStyle/>
           <a:p>
             <a:r>
-              <a:rPr lang="ru-RU" smtClean="0"/>
+              <a:rPr lang="ru-RU"/>
               <a:t>Образец заголовка</a:t>
             </a:r>
             <a:endParaRPr lang="en-US" dirty="0"/>
@@ -3184,35 +3184,35 @@
           <a:p>
             <a:pPr lvl="0"/>
             <a:r>
-              <a:rPr lang="ru-RU" smtClean="0"/>
+              <a:rPr lang="ru-RU"/>
               <a:t>Образец текста</a:t>
             </a:r>
           </a:p>
           <a:p>
             <a:pPr lvl="1"/>
             <a:r>
-              <a:rPr lang="ru-RU" smtClean="0"/>
+              <a:rPr lang="ru-RU"/>
               <a:t>Второй уровень</a:t>
             </a:r>
           </a:p>
           <a:p>
             <a:pPr lvl="2"/>
             <a:r>
-              <a:rPr lang="ru-RU" smtClean="0"/>
+              <a:rPr lang="ru-RU"/>
               <a:t>Третий уровень</a:t>
             </a:r>
           </a:p>
           <a:p>
             <a:pPr lvl="3"/>
             <a:r>
-              <a:rPr lang="ru-RU" smtClean="0"/>
+              <a:rPr lang="ru-RU"/>
               <a:t>Четвертый уровень</a:t>
             </a:r>
           </a:p>
           <a:p>
             <a:pPr lvl="4"/>
             <a:r>
-              <a:rPr lang="ru-RU" smtClean="0"/>
+              <a:rPr lang="ru-RU"/>
               <a:t>Пятый уровень</a:t>
             </a:r>
             <a:endParaRPr lang="en-US" dirty="0"/>
@@ -3236,7 +3236,7 @@
           <a:p>
             <a:fld id="{3D7F0962-DBC2-408A-BC5A-AF9190FC601E}" type="datetime1">
               <a:rPr lang="en-US" smtClean="0"/>
-              <a:t>5/5/2025</a:t>
+              <a:t>5/6/2025</a:t>
             </a:fld>
             <a:endParaRPr lang="en-US" dirty="0"/>
           </a:p>
@@ -3337,7 +3337,7 @@
           </a:lstStyle>
           <a:p>
             <a:r>
-              <a:rPr lang="ru-RU" smtClean="0"/>
+              <a:rPr lang="ru-RU"/>
               <a:t>Образец заголовка</a:t>
             </a:r>
             <a:endParaRPr lang="en-US" dirty="0"/>
@@ -3361,35 +3361,35 @@
           <a:p>
             <a:pPr lvl="0"/>
             <a:r>
-              <a:rPr lang="ru-RU" smtClean="0"/>
+              <a:rPr lang="ru-RU"/>
               <a:t>Образец текста</a:t>
             </a:r>
           </a:p>
           <a:p>
             <a:pPr lvl="1"/>
             <a:r>
-              <a:rPr lang="ru-RU" smtClean="0"/>
+              <a:rPr lang="ru-RU"/>
               <a:t>Второй уровень</a:t>
             </a:r>
           </a:p>
           <a:p>
             <a:pPr lvl="2"/>
             <a:r>
-              <a:rPr lang="ru-RU" smtClean="0"/>
+              <a:rPr lang="ru-RU"/>
               <a:t>Третий уровень</a:t>
             </a:r>
           </a:p>
           <a:p>
             <a:pPr lvl="3"/>
             <a:r>
-              <a:rPr lang="ru-RU" smtClean="0"/>
+              <a:rPr lang="ru-RU"/>
               <a:t>Четвертый уровень</a:t>
             </a:r>
           </a:p>
           <a:p>
             <a:pPr lvl="4"/>
             <a:r>
-              <a:rPr lang="ru-RU" smtClean="0"/>
+              <a:rPr lang="ru-RU"/>
               <a:t>Пятый уровень</a:t>
             </a:r>
             <a:endParaRPr lang="en-US" dirty="0"/>
@@ -3413,7 +3413,7 @@
           <a:p>
             <a:fld id="{C4C858F5-77F8-44F3-9B9D-5B332CD3CDBC}" type="datetime1">
               <a:rPr lang="en-US" smtClean="0"/>
-              <a:t>5/5/2025</a:t>
+              <a:t>5/6/2025</a:t>
             </a:fld>
             <a:endParaRPr lang="en-US" dirty="0"/>
           </a:p>
@@ -3516,7 +3516,7 @@
           </a:lstStyle>
           <a:p>
             <a:r>
-              <a:rPr lang="ru-RU" smtClean="0"/>
+              <a:rPr lang="ru-RU"/>
               <a:t>Образец заголовка</a:t>
             </a:r>
             <a:endParaRPr lang="en-US" dirty="0"/>
@@ -3637,7 +3637,7 @@
           <a:p>
             <a:pPr lvl="0"/>
             <a:r>
-              <a:rPr lang="ru-RU" smtClean="0"/>
+              <a:rPr lang="ru-RU"/>
               <a:t>Образец текста</a:t>
             </a:r>
           </a:p>
@@ -3660,7 +3660,7 @@
           <a:p>
             <a:fld id="{0FE845A6-ED84-4BB1-A6A3-386F8F91FB71}" type="datetime1">
               <a:rPr lang="en-US" smtClean="0"/>
-              <a:t>5/5/2025</a:t>
+              <a:t>5/6/2025</a:t>
             </a:fld>
             <a:endParaRPr lang="en-US" dirty="0"/>
           </a:p>
@@ -3755,7 +3755,7 @@
           <a:lstStyle/>
           <a:p>
             <a:r>
-              <a:rPr lang="ru-RU" smtClean="0"/>
+              <a:rPr lang="ru-RU"/>
               <a:t>Образец заголовка</a:t>
             </a:r>
             <a:endParaRPr lang="en-US" dirty="0"/>
@@ -3784,35 +3784,35 @@
           <a:p>
             <a:pPr lvl="0"/>
             <a:r>
-              <a:rPr lang="ru-RU" smtClean="0"/>
+              <a:rPr lang="ru-RU"/>
               <a:t>Образец текста</a:t>
             </a:r>
           </a:p>
           <a:p>
             <a:pPr lvl="1"/>
             <a:r>
-              <a:rPr lang="ru-RU" smtClean="0"/>
+              <a:rPr lang="ru-RU"/>
               <a:t>Второй уровень</a:t>
             </a:r>
           </a:p>
           <a:p>
             <a:pPr lvl="2"/>
             <a:r>
-              <a:rPr lang="ru-RU" smtClean="0"/>
+              <a:rPr lang="ru-RU"/>
               <a:t>Третий уровень</a:t>
             </a:r>
           </a:p>
           <a:p>
             <a:pPr lvl="3"/>
             <a:r>
-              <a:rPr lang="ru-RU" smtClean="0"/>
+              <a:rPr lang="ru-RU"/>
               <a:t>Четвертый уровень</a:t>
             </a:r>
           </a:p>
           <a:p>
             <a:pPr lvl="4"/>
             <a:r>
-              <a:rPr lang="ru-RU" smtClean="0"/>
+              <a:rPr lang="ru-RU"/>
               <a:t>Пятый уровень</a:t>
             </a:r>
             <a:endParaRPr lang="en-US" dirty="0"/>
@@ -3841,35 +3841,35 @@
           <a:p>
             <a:pPr lvl="0"/>
             <a:r>
-              <a:rPr lang="ru-RU" smtClean="0"/>
+              <a:rPr lang="ru-RU"/>
               <a:t>Образец текста</a:t>
             </a:r>
           </a:p>
           <a:p>
             <a:pPr lvl="1"/>
             <a:r>
-              <a:rPr lang="ru-RU" smtClean="0"/>
+              <a:rPr lang="ru-RU"/>
               <a:t>Второй уровень</a:t>
             </a:r>
           </a:p>
           <a:p>
             <a:pPr lvl="2"/>
             <a:r>
-              <a:rPr lang="ru-RU" smtClean="0"/>
+              <a:rPr lang="ru-RU"/>
               <a:t>Третий уровень</a:t>
             </a:r>
           </a:p>
           <a:p>
             <a:pPr lvl="3"/>
             <a:r>
-              <a:rPr lang="ru-RU" smtClean="0"/>
+              <a:rPr lang="ru-RU"/>
               <a:t>Четвертый уровень</a:t>
             </a:r>
           </a:p>
           <a:p>
             <a:pPr lvl="4"/>
             <a:r>
-              <a:rPr lang="ru-RU" smtClean="0"/>
+              <a:rPr lang="ru-RU"/>
               <a:t>Пятый уровень</a:t>
             </a:r>
             <a:endParaRPr lang="en-US" dirty="0"/>
@@ -3893,7 +3893,7 @@
           <a:p>
             <a:fld id="{AECE4A90-29AF-44C6-ACB2-04F73BD60C2C}" type="datetime1">
               <a:rPr lang="en-US" smtClean="0"/>
-              <a:t>5/5/2025</a:t>
+              <a:t>5/6/2025</a:t>
             </a:fld>
             <a:endParaRPr lang="en-US" dirty="0"/>
           </a:p>
@@ -3991,7 +3991,7 @@
           </a:lstStyle>
           <a:p>
             <a:r>
-              <a:rPr lang="ru-RU" smtClean="0"/>
+              <a:rPr lang="ru-RU"/>
               <a:t>Образец заголовка</a:t>
             </a:r>
             <a:endParaRPr lang="en-US" dirty="0"/>
@@ -4059,7 +4059,7 @@
           <a:p>
             <a:pPr lvl="0"/>
             <a:r>
-              <a:rPr lang="ru-RU" smtClean="0"/>
+              <a:rPr lang="ru-RU"/>
               <a:t>Образец текста</a:t>
             </a:r>
           </a:p>
@@ -4089,35 +4089,35 @@
           <a:p>
             <a:pPr lvl="0"/>
             <a:r>
-              <a:rPr lang="ru-RU" smtClean="0"/>
+              <a:rPr lang="ru-RU"/>
               <a:t>Образец текста</a:t>
             </a:r>
           </a:p>
           <a:p>
             <a:pPr lvl="1"/>
             <a:r>
-              <a:rPr lang="ru-RU" smtClean="0"/>
+              <a:rPr lang="ru-RU"/>
               <a:t>Второй уровень</a:t>
             </a:r>
           </a:p>
           <a:p>
             <a:pPr lvl="2"/>
             <a:r>
-              <a:rPr lang="ru-RU" smtClean="0"/>
+              <a:rPr lang="ru-RU"/>
               <a:t>Третий уровень</a:t>
             </a:r>
           </a:p>
           <a:p>
             <a:pPr lvl="3"/>
             <a:r>
-              <a:rPr lang="ru-RU" smtClean="0"/>
+              <a:rPr lang="ru-RU"/>
               <a:t>Четвертый уровень</a:t>
             </a:r>
           </a:p>
           <a:p>
             <a:pPr lvl="4"/>
             <a:r>
-              <a:rPr lang="ru-RU" smtClean="0"/>
+              <a:rPr lang="ru-RU"/>
               <a:t>Пятый уровень</a:t>
             </a:r>
             <a:endParaRPr lang="en-US" dirty="0"/>
@@ -4185,7 +4185,7 @@
           <a:p>
             <a:pPr lvl="0"/>
             <a:r>
-              <a:rPr lang="ru-RU" smtClean="0"/>
+              <a:rPr lang="ru-RU"/>
               <a:t>Образец текста</a:t>
             </a:r>
           </a:p>
@@ -4215,35 +4215,35 @@
           <a:p>
             <a:pPr lvl="0"/>
             <a:r>
-              <a:rPr lang="ru-RU" smtClean="0"/>
+              <a:rPr lang="ru-RU"/>
               <a:t>Образец текста</a:t>
             </a:r>
           </a:p>
           <a:p>
             <a:pPr lvl="1"/>
             <a:r>
-              <a:rPr lang="ru-RU" smtClean="0"/>
+              <a:rPr lang="ru-RU"/>
               <a:t>Второй уровень</a:t>
             </a:r>
           </a:p>
           <a:p>
             <a:pPr lvl="2"/>
             <a:r>
-              <a:rPr lang="ru-RU" smtClean="0"/>
+              <a:rPr lang="ru-RU"/>
               <a:t>Третий уровень</a:t>
             </a:r>
           </a:p>
           <a:p>
             <a:pPr lvl="3"/>
             <a:r>
-              <a:rPr lang="ru-RU" smtClean="0"/>
+              <a:rPr lang="ru-RU"/>
               <a:t>Четвертый уровень</a:t>
             </a:r>
           </a:p>
           <a:p>
             <a:pPr lvl="4"/>
             <a:r>
-              <a:rPr lang="ru-RU" smtClean="0"/>
+              <a:rPr lang="ru-RU"/>
               <a:t>Пятый уровень</a:t>
             </a:r>
             <a:endParaRPr lang="en-US" dirty="0"/>
@@ -4267,7 +4267,7 @@
           <a:p>
             <a:fld id="{318A31AD-7286-462D-84F3-270215230BE3}" type="datetime1">
               <a:rPr lang="en-US" smtClean="0"/>
-              <a:t>5/5/2025</a:t>
+              <a:t>5/6/2025</a:t>
             </a:fld>
             <a:endParaRPr lang="en-US" dirty="0"/>
           </a:p>
@@ -4367,7 +4367,7 @@
           <a:lstStyle/>
           <a:p>
             <a:r>
-              <a:rPr lang="ru-RU" smtClean="0"/>
+              <a:rPr lang="ru-RU"/>
               <a:t>Образец заголовка</a:t>
             </a:r>
             <a:endParaRPr lang="en-US" dirty="0"/>
@@ -4391,7 +4391,7 @@
           <a:p>
             <a:fld id="{AB5E0369-D842-4172-A79F-A26781ECBA6E}" type="datetime1">
               <a:rPr lang="en-US" smtClean="0"/>
-              <a:t>5/5/2025</a:t>
+              <a:t>5/6/2025</a:t>
             </a:fld>
             <a:endParaRPr lang="en-US" dirty="0"/>
           </a:p>
@@ -4487,7 +4487,7 @@
           <a:p>
             <a:fld id="{498AA6AB-15FE-4897-9A7E-C809D10D304C}" type="datetime1">
               <a:rPr lang="en-US" smtClean="0"/>
-              <a:t>5/5/2025</a:t>
+              <a:t>5/6/2025</a:t>
             </a:fld>
             <a:endParaRPr lang="en-US" dirty="0"/>
           </a:p>
@@ -4593,7 +4593,7 @@
           </a:lstStyle>
           <a:p>
             <a:r>
-              <a:rPr lang="ru-RU" smtClean="0"/>
+              <a:rPr lang="ru-RU"/>
               <a:t>Образец заголовка</a:t>
             </a:r>
             <a:endParaRPr lang="en-US" dirty="0"/>
@@ -4624,35 +4624,35 @@
           <a:p>
             <a:pPr lvl="0"/>
             <a:r>
-              <a:rPr lang="ru-RU" smtClean="0"/>
+              <a:rPr lang="ru-RU"/>
               <a:t>Образец текста</a:t>
             </a:r>
           </a:p>
           <a:p>
             <a:pPr lvl="1"/>
             <a:r>
-              <a:rPr lang="ru-RU" smtClean="0"/>
+              <a:rPr lang="ru-RU"/>
               <a:t>Второй уровень</a:t>
             </a:r>
           </a:p>
           <a:p>
             <a:pPr lvl="2"/>
             <a:r>
-              <a:rPr lang="ru-RU" smtClean="0"/>
+              <a:rPr lang="ru-RU"/>
               <a:t>Третий уровень</a:t>
             </a:r>
           </a:p>
           <a:p>
             <a:pPr lvl="3"/>
             <a:r>
-              <a:rPr lang="ru-RU" smtClean="0"/>
+              <a:rPr lang="ru-RU"/>
               <a:t>Четвертый уровень</a:t>
             </a:r>
           </a:p>
           <a:p>
             <a:pPr lvl="4"/>
             <a:r>
-              <a:rPr lang="ru-RU" smtClean="0"/>
+              <a:rPr lang="ru-RU"/>
               <a:t>Пятый уровень</a:t>
             </a:r>
             <a:endParaRPr lang="en-US" dirty="0"/>
@@ -4720,7 +4720,7 @@
           <a:p>
             <a:pPr lvl="0"/>
             <a:r>
-              <a:rPr lang="ru-RU" smtClean="0"/>
+              <a:rPr lang="ru-RU"/>
               <a:t>Образец текста</a:t>
             </a:r>
           </a:p>
@@ -4743,7 +4743,7 @@
           <a:p>
             <a:fld id="{A56672B5-B23A-4FAD-AC46-CCA3CC81D156}" type="datetime1">
               <a:rPr lang="en-US" smtClean="0"/>
-              <a:t>5/5/2025</a:t>
+              <a:t>5/6/2025</a:t>
             </a:fld>
             <a:endParaRPr lang="en-US" dirty="0"/>
           </a:p>
@@ -4848,7 +4848,7 @@
           </a:lstStyle>
           <a:p>
             <a:r>
-              <a:rPr lang="ru-RU" smtClean="0"/>
+              <a:rPr lang="ru-RU"/>
               <a:t>Образец заголовка</a:t>
             </a:r>
             <a:endParaRPr lang="en-US" dirty="0"/>
@@ -4915,7 +4915,7 @@
           </a:lstStyle>
           <a:p>
             <a:r>
-              <a:rPr lang="ru-RU" smtClean="0"/>
+              <a:rPr lang="ru-RU"/>
               <a:t>Вставка рисунка</a:t>
             </a:r>
             <a:endParaRPr lang="en-US" dirty="0"/>
@@ -4983,7 +4983,7 @@
           <a:p>
             <a:pPr lvl="0"/>
             <a:r>
-              <a:rPr lang="ru-RU" smtClean="0"/>
+              <a:rPr lang="ru-RU"/>
               <a:t>Образец текста</a:t>
             </a:r>
           </a:p>
@@ -5006,7 +5006,7 @@
           <a:p>
             <a:fld id="{F81B3CF0-CBFA-43F1-8986-6781596B26AC}" type="datetime1">
               <a:rPr lang="en-US" smtClean="0"/>
-              <a:t>5/5/2025</a:t>
+              <a:t>5/6/2025</a:t>
             </a:fld>
             <a:endParaRPr lang="en-US" dirty="0"/>
           </a:p>
@@ -5646,7 +5646,7 @@
           <a:lstStyle/>
           <a:p>
             <a:r>
-              <a:rPr lang="ru-RU" smtClean="0"/>
+              <a:rPr lang="ru-RU"/>
               <a:t>Образец заголовка</a:t>
             </a:r>
             <a:endParaRPr lang="en-US" dirty="0"/>
@@ -5680,35 +5680,35 @@
           <a:p>
             <a:pPr lvl="0"/>
             <a:r>
-              <a:rPr lang="ru-RU" smtClean="0"/>
+              <a:rPr lang="ru-RU"/>
               <a:t>Образец текста</a:t>
             </a:r>
           </a:p>
           <a:p>
             <a:pPr lvl="1"/>
             <a:r>
-              <a:rPr lang="ru-RU" smtClean="0"/>
+              <a:rPr lang="ru-RU"/>
               <a:t>Второй уровень</a:t>
             </a:r>
           </a:p>
           <a:p>
             <a:pPr lvl="2"/>
             <a:r>
-              <a:rPr lang="ru-RU" smtClean="0"/>
+              <a:rPr lang="ru-RU"/>
               <a:t>Третий уровень</a:t>
             </a:r>
           </a:p>
           <a:p>
             <a:pPr lvl="3"/>
             <a:r>
-              <a:rPr lang="ru-RU" smtClean="0"/>
+              <a:rPr lang="ru-RU"/>
               <a:t>Четвертый уровень</a:t>
             </a:r>
           </a:p>
           <a:p>
             <a:pPr lvl="4"/>
             <a:r>
-              <a:rPr lang="ru-RU" smtClean="0"/>
+              <a:rPr lang="ru-RU"/>
               <a:t>Пятый уровень</a:t>
             </a:r>
             <a:endParaRPr lang="en-US" dirty="0"/>
@@ -5750,7 +5750,7 @@
           <a:p>
             <a:fld id="{B57ED3F7-FE4C-4650-AD1B-9F24F817010A}" type="datetime1">
               <a:rPr lang="en-US" smtClean="0"/>
-              <a:t>5/5/2025</a:t>
+              <a:t>5/6/2025</a:t>
             </a:fld>
             <a:endParaRPr lang="en-US" dirty="0"/>
           </a:p>
@@ -6365,7 +6365,7 @@
           <a:p>
             <a:pPr algn="ctr"/>
             <a:r>
-              <a:rPr lang="ru-RU" dirty="0" smtClean="0">
+              <a:rPr lang="ru-RU" dirty="0">
                 <a:ln w="0"/>
                 <a:latin typeface="+mj-lt"/>
                 <a:ea typeface="Verdana" panose="020B0604030504040204" pitchFamily="34" charset="0"/>
@@ -6374,7 +6374,7 @@
               <a:t>Московский государственный технический университет им. </a:t>
             </a:r>
             <a:r>
-              <a:rPr lang="ru-RU" dirty="0" err="1" smtClean="0">
+              <a:rPr lang="ru-RU" dirty="0" err="1">
                 <a:ln w="0"/>
                 <a:latin typeface="+mj-lt"/>
                 <a:ea typeface="Verdana" panose="020B0604030504040204" pitchFamily="34" charset="0"/>
@@ -6487,7 +6487,7 @@
           <a:p>
             <a:pPr algn="ctr"/>
             <a:r>
-              <a:rPr lang="ru-RU" sz="3200" b="1" smtClean="0">
+              <a:rPr lang="ru-RU" sz="3200" b="1">
                 <a:solidFill>
                   <a:schemeClr val="tx1"/>
                 </a:solidFill>
@@ -6496,7 +6496,7 @@
               <a:t>Курсовая работа на тему:</a:t>
             </a:r>
             <a:br>
-              <a:rPr lang="ru-RU" sz="3200" b="1" smtClean="0">
+              <a:rPr lang="ru-RU" sz="3200" b="1">
                 <a:solidFill>
                   <a:schemeClr val="tx1"/>
                 </a:solidFill>
@@ -6504,7 +6504,7 @@
               </a:rPr>
             </a:br>
             <a:r>
-              <a:rPr lang="ru-RU" sz="3200" b="1" smtClean="0">
+              <a:rPr lang="ru-RU" sz="3200" b="1">
                 <a:solidFill>
                   <a:schemeClr val="tx1"/>
                 </a:solidFill>
@@ -6544,24 +6544,23 @@
           <a:lstStyle/>
           <a:p>
             <a:r>
-              <a:rPr lang="ru-RU" dirty="0" smtClean="0"/>
+              <a:rPr lang="ru-RU" dirty="0"/>
               <a:t>Выполнил: Алейников З.А.</a:t>
             </a:r>
           </a:p>
           <a:p>
             <a:r>
-              <a:rPr lang="ru-RU" dirty="0" smtClean="0"/>
+              <a:rPr lang="ru-RU" dirty="0"/>
               <a:t>Научный руководитель: </a:t>
             </a:r>
             <a:r>
-              <a:rPr lang="ru-RU" dirty="0" err="1" smtClean="0"/>
+              <a:rPr lang="ru-RU" dirty="0" err="1"/>
               <a:t>Пазычев</a:t>
             </a:r>
             <a:r>
-              <a:rPr lang="ru-RU" dirty="0" smtClean="0"/>
+              <a:rPr lang="ru-RU" dirty="0"/>
               <a:t> Д.Б.</a:t>
             </a:r>
-            <a:endParaRPr lang="ru-RU" dirty="0"/>
           </a:p>
         </p:txBody>
       </p:sp>
@@ -6575,13 +6574,6 @@
   <p:clrMapOvr>
     <a:masterClrMapping/>
   </p:clrMapOvr>
-  <p:timing>
-    <p:tnLst>
-      <p:par>
-        <p:cTn id="1" dur="indefinite" restart="never" nodeType="tmRoot"/>
-      </p:par>
-    </p:tnLst>
-  </p:timing>
 </p:sld>
 </file>
 
@@ -6618,18 +6610,13 @@
           <a:lstStyle/>
           <a:p>
             <a:r>
-              <a:rPr lang="ru-RU" dirty="0" smtClean="0">
+              <a:rPr lang="ru-RU" dirty="0">
                 <a:solidFill>
                   <a:schemeClr val="tx1"/>
                 </a:solidFill>
               </a:rPr>
               <a:t>Результаты работы</a:t>
             </a:r>
-            <a:endParaRPr lang="ru-RU" dirty="0">
-              <a:solidFill>
-                <a:schemeClr val="tx1"/>
-              </a:solidFill>
-            </a:endParaRPr>
           </a:p>
         </p:txBody>
       </p:sp>
@@ -6734,7 +6721,7 @@
                     <a:p>
                       <a:pPr algn="ctr"/>
                       <a:r>
-                        <a:rPr lang="ru-RU" dirty="0" smtClean="0">
+                        <a:rPr lang="ru-RU" dirty="0">
                           <a:solidFill>
                             <a:schemeClr val="tx1"/>
                           </a:solidFill>
@@ -6742,7 +6729,7 @@
                         <a:t>Лучший</a:t>
                       </a:r>
                       <a:r>
-                        <a:rPr lang="ru-RU" baseline="0" dirty="0" smtClean="0">
+                        <a:rPr lang="ru-RU" baseline="0" dirty="0">
                           <a:solidFill>
                             <a:schemeClr val="tx1"/>
                           </a:solidFill>
@@ -6765,18 +6752,13 @@
                     <a:p>
                       <a:pPr algn="ctr"/>
                       <a:r>
-                        <a:rPr lang="ru-RU" dirty="0" smtClean="0">
+                        <a:rPr lang="ru-RU" dirty="0">
                           <a:solidFill>
                             <a:schemeClr val="tx1"/>
                           </a:solidFill>
                         </a:rPr>
                         <a:t>Худший комплект</a:t>
                       </a:r>
-                      <a:endParaRPr lang="ru-RU" dirty="0">
-                        <a:solidFill>
-                          <a:schemeClr val="tx1"/>
-                        </a:solidFill>
-                      </a:endParaRPr>
                     </a:p>
                   </a:txBody>
                   <a:tcPr anchor="ctr"/>
@@ -6795,18 +6777,13 @@
                     <a:p>
                       <a:pPr algn="ctr"/>
                       <a:r>
-                        <a:rPr lang="ru-RU" dirty="0" smtClean="0">
+                        <a:rPr lang="ru-RU" dirty="0">
                           <a:solidFill>
                             <a:schemeClr val="tx1"/>
                           </a:solidFill>
                         </a:rPr>
                         <a:t>Ошибка</a:t>
                       </a:r>
-                      <a:endParaRPr lang="ru-RU" dirty="0">
-                        <a:solidFill>
-                          <a:schemeClr val="tx1"/>
-                        </a:solidFill>
-                      </a:endParaRPr>
                     </a:p>
                   </a:txBody>
                   <a:tcPr anchor="ctr"/>
@@ -6818,18 +6795,13 @@
                     <a:p>
                       <a:pPr algn="ctr"/>
                       <a:r>
-                        <a:rPr lang="ru-RU" dirty="0" smtClean="0">
+                        <a:rPr lang="ru-RU" dirty="0">
                           <a:solidFill>
                             <a:schemeClr val="tx1"/>
                           </a:solidFill>
                         </a:rPr>
                         <a:t>Ограничение по ТЗ</a:t>
                       </a:r>
-                      <a:endParaRPr lang="ru-RU" dirty="0">
-                        <a:solidFill>
-                          <a:schemeClr val="tx1"/>
-                        </a:solidFill>
-                      </a:endParaRPr>
                     </a:p>
                   </a:txBody>
                   <a:tcPr anchor="ctr"/>
@@ -6841,18 +6813,13 @@
                     <a:p>
                       <a:pPr algn="ctr"/>
                       <a:r>
-                        <a:rPr lang="ru-RU" dirty="0" smtClean="0">
+                        <a:rPr lang="ru-RU" dirty="0">
                           <a:solidFill>
                             <a:schemeClr val="tx1"/>
                           </a:solidFill>
                         </a:rPr>
                         <a:t>Полученная ошибка</a:t>
                       </a:r>
-                      <a:endParaRPr lang="ru-RU" dirty="0">
-                        <a:solidFill>
-                          <a:schemeClr val="tx1"/>
-                        </a:solidFill>
-                      </a:endParaRPr>
                     </a:p>
                   </a:txBody>
                   <a:tcPr anchor="ctr"/>
@@ -6864,18 +6831,13 @@
                     <a:p>
                       <a:pPr algn="ctr"/>
                       <a:r>
-                        <a:rPr lang="ru-RU" dirty="0" smtClean="0">
+                        <a:rPr lang="ru-RU" dirty="0">
                           <a:solidFill>
                             <a:schemeClr val="tx1"/>
                           </a:solidFill>
                         </a:rPr>
                         <a:t>Полученная ошибка</a:t>
                       </a:r>
-                      <a:endParaRPr lang="ru-RU" dirty="0">
-                        <a:solidFill>
-                          <a:schemeClr val="tx1"/>
-                        </a:solidFill>
-                      </a:endParaRPr>
                     </a:p>
                   </a:txBody>
                   <a:tcPr anchor="ctr"/>
@@ -6894,10 +6856,9 @@
                     <a:p>
                       <a:pPr algn="ctr"/>
                       <a:r>
-                        <a:rPr lang="ru-RU" dirty="0" smtClean="0"/>
+                        <a:rPr lang="ru-RU" dirty="0"/>
                         <a:t>Ошибка крена, град</a:t>
                       </a:r>
-                      <a:endParaRPr lang="ru-RU" dirty="0"/>
                     </a:p>
                   </a:txBody>
                   <a:tcPr anchor="ctr"/>
@@ -6909,10 +6870,9 @@
                     <a:p>
                       <a:pPr algn="ctr"/>
                       <a:r>
-                        <a:rPr lang="ru-RU" dirty="0" smtClean="0"/>
+                        <a:rPr lang="ru-RU" dirty="0"/>
                         <a:t>0,05</a:t>
                       </a:r>
-                      <a:endParaRPr lang="ru-RU" dirty="0"/>
                     </a:p>
                   </a:txBody>
                   <a:tcPr anchor="ctr"/>
@@ -6924,10 +6884,9 @@
                     <a:p>
                       <a:pPr algn="ctr"/>
                       <a:r>
-                        <a:rPr lang="ru-RU" dirty="0" smtClean="0"/>
+                        <a:rPr lang="ru-RU" dirty="0"/>
                         <a:t>0,0484</a:t>
                       </a:r>
-                      <a:endParaRPr lang="ru-RU" dirty="0"/>
                     </a:p>
                   </a:txBody>
                   <a:tcPr anchor="ctr"/>
@@ -6939,10 +6898,9 @@
                     <a:p>
                       <a:pPr algn="ctr"/>
                       <a:r>
-                        <a:rPr lang="ru-RU" dirty="0" smtClean="0"/>
+                        <a:rPr lang="ru-RU" dirty="0"/>
                         <a:t>0,0406</a:t>
                       </a:r>
-                      <a:endParaRPr lang="ru-RU" dirty="0"/>
                     </a:p>
                   </a:txBody>
                   <a:tcPr anchor="ctr"/>
@@ -6961,10 +6919,9 @@
                     <a:p>
                       <a:pPr algn="ctr"/>
                       <a:r>
-                        <a:rPr lang="ru-RU" dirty="0" smtClean="0"/>
+                        <a:rPr lang="ru-RU" dirty="0"/>
                         <a:t>Ошибка тангажа, град</a:t>
                       </a:r>
-                      <a:endParaRPr lang="ru-RU" dirty="0"/>
                     </a:p>
                   </a:txBody>
                   <a:tcPr anchor="ctr"/>
@@ -6976,10 +6933,9 @@
                     <a:p>
                       <a:pPr algn="ctr"/>
                       <a:r>
-                        <a:rPr lang="ru-RU" dirty="0" smtClean="0"/>
+                        <a:rPr lang="ru-RU" dirty="0"/>
                         <a:t>0,05</a:t>
                       </a:r>
-                      <a:endParaRPr lang="ru-RU" dirty="0"/>
                     </a:p>
                   </a:txBody>
                   <a:tcPr anchor="ctr"/>
@@ -6991,10 +6947,9 @@
                     <a:p>
                       <a:pPr algn="ctr"/>
                       <a:r>
-                        <a:rPr lang="ru-RU" dirty="0" smtClean="0"/>
+                        <a:rPr lang="ru-RU" dirty="0"/>
                         <a:t>0,0322</a:t>
                       </a:r>
-                      <a:endParaRPr lang="ru-RU" dirty="0"/>
                     </a:p>
                   </a:txBody>
                   <a:tcPr anchor="ctr"/>
@@ -7006,10 +6961,9 @@
                     <a:p>
                       <a:pPr algn="ctr"/>
                       <a:r>
-                        <a:rPr lang="ru-RU" dirty="0" smtClean="0"/>
+                        <a:rPr lang="ru-RU" dirty="0"/>
                         <a:t>0,0277</a:t>
                       </a:r>
-                      <a:endParaRPr lang="ru-RU" dirty="0"/>
                     </a:p>
                   </a:txBody>
                   <a:tcPr anchor="ctr"/>
@@ -7028,10 +6982,9 @@
                     <a:p>
                       <a:pPr algn="ctr"/>
                       <a:r>
-                        <a:rPr lang="ru-RU" dirty="0" smtClean="0"/>
+                        <a:rPr lang="ru-RU" dirty="0"/>
                         <a:t>Начальная ошибка курса, град</a:t>
                       </a:r>
-                      <a:endParaRPr lang="ru-RU" dirty="0"/>
                     </a:p>
                   </a:txBody>
                   <a:tcPr anchor="ctr"/>
@@ -7043,10 +6996,9 @@
                     <a:p>
                       <a:pPr algn="ctr"/>
                       <a:r>
-                        <a:rPr lang="ru-RU" dirty="0" smtClean="0"/>
+                        <a:rPr lang="ru-RU" dirty="0"/>
                         <a:t>0,5</a:t>
                       </a:r>
-                      <a:endParaRPr lang="ru-RU" dirty="0"/>
                     </a:p>
                   </a:txBody>
                   <a:tcPr anchor="ctr"/>
@@ -7058,10 +7010,9 @@
                     <a:p>
                       <a:pPr algn="ctr"/>
                       <a:r>
-                        <a:rPr lang="ru-RU" dirty="0" smtClean="0"/>
+                        <a:rPr lang="ru-RU" dirty="0"/>
                         <a:t>0,0477</a:t>
                       </a:r>
-                      <a:endParaRPr lang="ru-RU" dirty="0"/>
                     </a:p>
                   </a:txBody>
                   <a:tcPr anchor="ctr"/>
@@ -7073,10 +7024,9 @@
                     <a:p>
                       <a:pPr algn="ctr"/>
                       <a:r>
-                        <a:rPr lang="ru-RU" dirty="0" smtClean="0"/>
+                        <a:rPr lang="ru-RU" dirty="0"/>
                         <a:t>0,0388</a:t>
                       </a:r>
-                      <a:endParaRPr lang="ru-RU" dirty="0"/>
                     </a:p>
                   </a:txBody>
                   <a:tcPr anchor="ctr"/>
@@ -7095,10 +7045,9 @@
                     <a:p>
                       <a:pPr algn="ctr"/>
                       <a:r>
-                        <a:rPr lang="ru-RU" dirty="0" smtClean="0"/>
+                        <a:rPr lang="ru-RU" dirty="0"/>
                         <a:t>Конечная ошибка курса, град</a:t>
                       </a:r>
-                      <a:endParaRPr lang="ru-RU" dirty="0"/>
                     </a:p>
                   </a:txBody>
                   <a:tcPr anchor="ctr"/>
@@ -7110,10 +7059,9 @@
                     <a:p>
                       <a:pPr algn="ctr"/>
                       <a:r>
-                        <a:rPr lang="ru-RU" dirty="0" smtClean="0"/>
+                        <a:rPr lang="ru-RU" dirty="0"/>
                         <a:t>0,55</a:t>
                       </a:r>
-                      <a:endParaRPr lang="ru-RU" dirty="0"/>
                     </a:p>
                   </a:txBody>
                   <a:tcPr anchor="ctr"/>
@@ -7125,10 +7073,9 @@
                     <a:p>
                       <a:pPr algn="ctr"/>
                       <a:r>
-                        <a:rPr lang="ru-RU" dirty="0" smtClean="0"/>
+                        <a:rPr lang="ru-RU" dirty="0"/>
                         <a:t>0,1124</a:t>
                       </a:r>
-                      <a:endParaRPr lang="ru-RU" dirty="0"/>
                     </a:p>
                   </a:txBody>
                   <a:tcPr anchor="ctr"/>
@@ -7140,10 +7087,9 @@
                     <a:p>
                       <a:pPr algn="ctr"/>
                       <a:r>
-                        <a:rPr lang="ru-RU" dirty="0" smtClean="0"/>
+                        <a:rPr lang="ru-RU" dirty="0"/>
                         <a:t>0,1128</a:t>
                       </a:r>
-                      <a:endParaRPr lang="ru-RU" dirty="0"/>
                     </a:p>
                   </a:txBody>
                   <a:tcPr anchor="ctr"/>
@@ -7162,10 +7108,9 @@
                     <a:p>
                       <a:pPr algn="ctr"/>
                       <a:r>
-                        <a:rPr lang="ru-RU" dirty="0" smtClean="0"/>
+                        <a:rPr lang="ru-RU" dirty="0"/>
                         <a:t>Ошибка определения координат, км</a:t>
                       </a:r>
-                      <a:endParaRPr lang="ru-RU" dirty="0"/>
                     </a:p>
                   </a:txBody>
                   <a:tcPr anchor="ctr"/>
@@ -7177,10 +7122,9 @@
                     <a:p>
                       <a:pPr algn="ctr"/>
                       <a:r>
-                        <a:rPr lang="ru-RU" dirty="0" smtClean="0"/>
+                        <a:rPr lang="ru-RU" dirty="0"/>
                         <a:t>1,85</a:t>
                       </a:r>
-                      <a:endParaRPr lang="ru-RU" dirty="0"/>
                     </a:p>
                   </a:txBody>
                   <a:tcPr anchor="ctr"/>
@@ -7192,10 +7136,9 @@
                     <a:p>
                       <a:pPr algn="ctr"/>
                       <a:r>
-                        <a:rPr lang="ru-RU" dirty="0" smtClean="0"/>
+                        <a:rPr lang="ru-RU" dirty="0"/>
                         <a:t>0,591</a:t>
                       </a:r>
-                      <a:endParaRPr lang="ru-RU" dirty="0"/>
                     </a:p>
                   </a:txBody>
                   <a:tcPr anchor="ctr"/>
@@ -7207,10 +7150,9 @@
                     <a:p>
                       <a:pPr algn="ctr"/>
                       <a:r>
-                        <a:rPr lang="ru-RU" dirty="0" smtClean="0"/>
+                        <a:rPr lang="ru-RU" dirty="0"/>
                         <a:t>1,434</a:t>
                       </a:r>
-                      <a:endParaRPr lang="ru-RU" dirty="0"/>
                     </a:p>
                   </a:txBody>
                   <a:tcPr anchor="ctr"/>
@@ -7277,18 +7219,13 @@
           <a:p>
             <a:pPr algn="ctr"/>
             <a:r>
-              <a:rPr lang="ru-RU" dirty="0" smtClean="0">
+              <a:rPr lang="ru-RU" dirty="0">
                 <a:solidFill>
                   <a:schemeClr val="tx1"/>
                 </a:solidFill>
               </a:rPr>
               <a:t>Спасибо за внимание!</a:t>
             </a:r>
-            <a:endParaRPr lang="ru-RU" dirty="0">
-              <a:solidFill>
-                <a:schemeClr val="tx1"/>
-              </a:solidFill>
-            </a:endParaRPr>
           </a:p>
         </p:txBody>
       </p:sp>
@@ -7302,13 +7239,6 @@
   <p:clrMapOvr>
     <a:masterClrMapping/>
   </p:clrMapOvr>
-  <p:timing>
-    <p:tnLst>
-      <p:par>
-        <p:cTn id="1" dur="indefinite" restart="never" nodeType="tmRoot"/>
-      </p:par>
-    </p:tnLst>
-  </p:timing>
 </p:sld>
 </file>
 
@@ -7351,7 +7281,7 @@
           <a:graphicData uri="http://schemas.openxmlformats.org/presentationml/2006/ole">
             <mc:AlternateContent xmlns:mc="http://schemas.openxmlformats.org/markup-compatibility/2006">
               <mc:Choice xmlns:v="urn:schemas-microsoft-com:vml" Requires="v">
-                <p:oleObj spid="_x0000_s1031" name="Документ" r:id="rId3" imgW="5455127" imgH="9086006" progId="Word.Document.12">
+                <p:oleObj spid="_x0000_s1033" name="Документ" r:id="rId3" imgW="5455127" imgH="9086006" progId="Word.Document.12">
                   <p:embed/>
                 </p:oleObj>
               </mc:Choice>
@@ -7402,18 +7332,13 @@
           <a:lstStyle/>
           <a:p>
             <a:r>
-              <a:rPr lang="ru-RU" dirty="0" smtClean="0">
+              <a:rPr lang="ru-RU" dirty="0">
                 <a:solidFill>
                   <a:schemeClr val="tx1"/>
                 </a:solidFill>
               </a:rPr>
               <a:t>Техническое задание</a:t>
             </a:r>
-            <a:endParaRPr lang="ru-RU" dirty="0">
-              <a:solidFill>
-                <a:schemeClr val="tx1"/>
-              </a:solidFill>
-            </a:endParaRPr>
           </a:p>
         </p:txBody>
       </p:sp>
@@ -7446,17 +7371,7 @@
                 <a:latin typeface="Times New Roman" panose="02020603050405020304" pitchFamily="18" charset="0"/>
                 <a:cs typeface="Times New Roman" panose="02020603050405020304" pitchFamily="18" charset="0"/>
               </a:rPr>
-              <a:t>ЦЕЛЬ </a:t>
-            </a:r>
-            <a:r>
-              <a:rPr lang="en-US" sz="2000" b="1" dirty="0" smtClean="0">
-                <a:solidFill>
-                  <a:schemeClr val="tx1"/>
-                </a:solidFill>
-                <a:latin typeface="Times New Roman" panose="02020603050405020304" pitchFamily="18" charset="0"/>
-                <a:cs typeface="Times New Roman" panose="02020603050405020304" pitchFamily="18" charset="0"/>
-              </a:rPr>
-              <a:t>ПРОЕКТА</a:t>
+              <a:t>ЦЕЛЬ ПРОЕКТА</a:t>
             </a:r>
             <a:r>
               <a:rPr lang="en-US" sz="2000" dirty="0">
@@ -7563,13 +7478,6 @@
   <p:clrMapOvr>
     <a:masterClrMapping/>
   </p:clrMapOvr>
-  <p:timing>
-    <p:tnLst>
-      <p:par>
-        <p:cTn id="1" dur="indefinite" restart="never" nodeType="tmRoot"/>
-      </p:par>
-    </p:tnLst>
-  </p:timing>
 </p:sld>
 </file>
 
@@ -7611,18 +7519,13 @@
           <a:lstStyle/>
           <a:p>
             <a:r>
-              <a:rPr lang="ru-RU" dirty="0" smtClean="0">
+              <a:rPr lang="ru-RU" dirty="0">
                 <a:solidFill>
                   <a:schemeClr val="tx1"/>
                 </a:solidFill>
               </a:rPr>
               <a:t>Кинематическая схема</a:t>
             </a:r>
-            <a:endParaRPr lang="ru-RU" dirty="0">
-              <a:solidFill>
-                <a:schemeClr val="tx1"/>
-              </a:solidFill>
-            </a:endParaRPr>
           </a:p>
         </p:txBody>
       </p:sp>
@@ -7688,13 +7591,6 @@
   <p:clrMapOvr>
     <a:masterClrMapping/>
   </p:clrMapOvr>
-  <p:timing>
-    <p:tnLst>
-      <p:par>
-        <p:cTn id="1" dur="indefinite" restart="never" nodeType="tmRoot"/>
-      </p:par>
-    </p:tnLst>
-  </p:timing>
 </p:sld>
 </file>
 
@@ -7736,18 +7632,13 @@
           <a:lstStyle/>
           <a:p>
             <a:r>
-              <a:rPr lang="ru-RU" dirty="0" smtClean="0">
+              <a:rPr lang="ru-RU" dirty="0">
                 <a:solidFill>
                   <a:schemeClr val="tx1"/>
                 </a:solidFill>
               </a:rPr>
               <a:t>Схема алгоритма</a:t>
             </a:r>
-            <a:endParaRPr lang="ru-RU" dirty="0">
-              <a:solidFill>
-                <a:schemeClr val="tx1"/>
-              </a:solidFill>
-            </a:endParaRPr>
           </a:p>
         </p:txBody>
       </p:sp>
@@ -7790,13 +7681,6 @@
   <p:clrMapOvr>
     <a:masterClrMapping/>
   </p:clrMapOvr>
-  <p:timing>
-    <p:tnLst>
-      <p:par>
-        <p:cTn id="1" dur="indefinite" restart="never" nodeType="tmRoot"/>
-      </p:par>
-    </p:tnLst>
-  </p:timing>
 </p:sld>
 </file>
 
@@ -7838,18 +7722,13 @@
           <a:lstStyle/>
           <a:p>
             <a:r>
-              <a:rPr lang="ru-RU" dirty="0" smtClean="0">
+              <a:rPr lang="ru-RU" dirty="0">
                 <a:solidFill>
                   <a:schemeClr val="tx1"/>
                 </a:solidFill>
               </a:rPr>
               <a:t>Моделирование ошибок курсовертикали</a:t>
             </a:r>
-            <a:endParaRPr lang="ru-RU" dirty="0">
-              <a:solidFill>
-                <a:schemeClr val="tx1"/>
-              </a:solidFill>
-            </a:endParaRPr>
           </a:p>
         </p:txBody>
       </p:sp>
@@ -7922,13 +7801,6 @@
   <p:clrMapOvr>
     <a:masterClrMapping/>
   </p:clrMapOvr>
-  <p:timing>
-    <p:tnLst>
-      <p:par>
-        <p:cTn id="1" dur="indefinite" restart="never" nodeType="tmRoot"/>
-      </p:par>
-    </p:tnLst>
-  </p:timing>
 </p:sld>
 </file>
 
@@ -7965,18 +7837,13 @@
           <a:lstStyle/>
           <a:p>
             <a:r>
-              <a:rPr lang="ru-RU" dirty="0" smtClean="0">
+              <a:rPr lang="ru-RU" dirty="0">
                 <a:solidFill>
                   <a:schemeClr val="tx1"/>
                 </a:solidFill>
               </a:rPr>
               <a:t>Работа идеального алгоритма БИНС</a:t>
             </a:r>
-            <a:endParaRPr lang="ru-RU" dirty="0">
-              <a:solidFill>
-                <a:schemeClr val="tx1"/>
-              </a:solidFill>
-            </a:endParaRPr>
           </a:p>
         </p:txBody>
       </p:sp>
@@ -8038,13 +7905,6 @@
   <p:clrMapOvr>
     <a:masterClrMapping/>
   </p:clrMapOvr>
-  <p:timing>
-    <p:tnLst>
-      <p:par>
-        <p:cTn id="1" dur="indefinite" restart="never" nodeType="tmRoot"/>
-      </p:par>
-    </p:tnLst>
-  </p:timing>
 </p:sld>
 </file>
 
@@ -8115,18 +7975,13 @@
           <a:lstStyle/>
           <a:p>
             <a:r>
-              <a:rPr lang="ru-RU" dirty="0" smtClean="0">
+              <a:rPr lang="ru-RU" dirty="0">
                 <a:solidFill>
                   <a:schemeClr val="tx1"/>
                 </a:solidFill>
               </a:rPr>
               <a:t>БЧЭ1000</a:t>
             </a:r>
-            <a:endParaRPr lang="ru-RU" dirty="0">
-              <a:solidFill>
-                <a:schemeClr val="tx1"/>
-              </a:solidFill>
-            </a:endParaRPr>
           </a:p>
         </p:txBody>
       </p:sp>
@@ -8253,13 +8108,6 @@
   <p:clrMapOvr>
     <a:masterClrMapping/>
   </p:clrMapOvr>
-  <p:timing>
-    <p:tnLst>
-      <p:par>
-        <p:cTn id="1" dur="indefinite" restart="never" nodeType="tmRoot"/>
-      </p:par>
-    </p:tnLst>
-  </p:timing>
 </p:sld>
 </file>
 
@@ -8386,20 +8234,12 @@
           <a:lstStyle/>
           <a:p>
             <a:r>
-              <a:rPr lang="ru-RU" dirty="0" smtClean="0">
+              <a:rPr lang="ru-RU" dirty="0">
                 <a:solidFill>
                   <a:schemeClr val="tx1"/>
                 </a:solidFill>
               </a:rPr>
-              <a:t>ОИУС501 </a:t>
-            </a:r>
-            <a:r>
-              <a:rPr lang="ru-RU" dirty="0">
-                <a:solidFill>
-                  <a:schemeClr val="tx1"/>
-                </a:solidFill>
-              </a:rPr>
-              <a:t>и АК-6</a:t>
+              <a:t>ОИУС501 и АК-6</a:t>
             </a:r>
           </a:p>
         </p:txBody>
@@ -8481,13 +8321,6 @@
   <p:clrMapOvr>
     <a:masterClrMapping/>
   </p:clrMapOvr>
-  <p:timing>
-    <p:tnLst>
-      <p:par>
-        <p:cTn id="1" dur="indefinite" restart="never" nodeType="tmRoot"/>
-      </p:par>
-    </p:tnLst>
-  </p:timing>
 </p:sld>
 </file>
 
@@ -8619,7 +8452,7 @@
           <a:lstStyle/>
           <a:p>
             <a:r>
-              <a:rPr lang="ru-RU" dirty="0" smtClean="0">
+              <a:rPr lang="ru-RU" dirty="0">
                 <a:solidFill>
                   <a:schemeClr val="tx1"/>
                 </a:solidFill>
@@ -8627,27 +8460,19 @@
               <a:t>LC-AL-300A и </a:t>
             </a:r>
             <a:br>
-              <a:rPr lang="ru-RU" dirty="0" smtClean="0">
+              <a:rPr lang="ru-RU" dirty="0">
                 <a:solidFill>
                   <a:schemeClr val="tx1"/>
                 </a:solidFill>
               </a:rPr>
             </a:br>
             <a:r>
-              <a:rPr lang="ru-RU" dirty="0" smtClean="0">
+              <a:rPr lang="ru-RU" dirty="0">
                 <a:solidFill>
                   <a:schemeClr val="tx1"/>
                 </a:solidFill>
               </a:rPr>
-              <a:t>Q-FLEX </a:t>
-            </a:r>
-            <a:r>
-              <a:rPr lang="ru-RU" dirty="0">
-                <a:solidFill>
-                  <a:schemeClr val="tx1"/>
-                </a:solidFill>
-              </a:rPr>
-              <a:t>QA-3000-030</a:t>
+              <a:t>Q-FLEX QA-3000-030</a:t>
             </a:r>
           </a:p>
         </p:txBody>
@@ -8725,13 +8550,6 @@
   <p:clrMapOvr>
     <a:masterClrMapping/>
   </p:clrMapOvr>
-  <p:timing>
-    <p:tnLst>
-      <p:par>
-        <p:cTn id="1" dur="indefinite" restart="never" nodeType="tmRoot"/>
-      </p:par>
-    </p:tnLst>
-  </p:timing>
 </p:sld>
 </file>
 
